--- a/reports/work_diary.pptx
+++ b/reports/work_diary.pptx
@@ -7,6 +7,7 @@
   <p:sldIdLst>
     <p:sldId id="256" r:id="rId2"/>
     <p:sldId id="257" r:id="rId3"/>
+    <p:sldId id="258" r:id="rId4"/>
   </p:sldIdLst>
   <p:sldSz cx="12192000" cy="6858000"/>
   <p:notesSz cx="6858000" cy="9144000"/>
@@ -105,6 +106,11 @@
       </a:defRPr>
     </a:lvl9pPr>
   </p:defaultTextStyle>
+  <p:extLst>
+    <p:ext uri="{EFAFB233-063F-42B5-8137-9DF3F51BA10A}">
+      <p15:sldGuideLst xmlns:p15="http://schemas.microsoft.com/office/powerpoint/2012/main"/>
+    </p:ext>
+  </p:extLst>
 </p:presentation>
 </file>
 
@@ -112,8 +118,8 @@
 <pc:chgInfo xmlns:a="http://schemas.openxmlformats.org/drawingml/2006/main" xmlns:r="http://schemas.openxmlformats.org/officeDocument/2006/relationships" xmlns:ac="http://schemas.microsoft.com/office/drawing/2013/main/command" xmlns:pc="http://schemas.microsoft.com/office/powerpoint/2013/main/command">
   <pc:docChgLst>
     <pc:chgData name="urh trinko" userId="3b62f928bb6fe22b" providerId="LiveId" clId="{96B36140-957E-4A09-ACB1-24E6053E8EE9}"/>
-    <pc:docChg chg="modSld">
-      <pc:chgData name="urh trinko" userId="3b62f928bb6fe22b" providerId="LiveId" clId="{96B36140-957E-4A09-ACB1-24E6053E8EE9}" dt="2023-01-10T13:42:25.292" v="0" actId="20577"/>
+    <pc:docChg chg="custSel addSld modSld">
+      <pc:chgData name="urh trinko" userId="3b62f928bb6fe22b" providerId="LiveId" clId="{96B36140-957E-4A09-ACB1-24E6053E8EE9}" dt="2023-01-11T15:08:40.901" v="339" actId="20577"/>
       <pc:docMkLst>
         <pc:docMk/>
       </pc:docMkLst>
@@ -129,6 +135,29 @@
             <pc:docMk/>
             <pc:sldMk cId="1298392311" sldId="257"/>
             <ac:spMk id="3" creationId="{E13BEB78-2B0B-BE60-6D8F-D36281C7064D}"/>
+          </ac:spMkLst>
+        </pc:spChg>
+      </pc:sldChg>
+      <pc:sldChg chg="modSp new mod">
+        <pc:chgData name="urh trinko" userId="3b62f928bb6fe22b" providerId="LiveId" clId="{96B36140-957E-4A09-ACB1-24E6053E8EE9}" dt="2023-01-11T15:08:40.901" v="339" actId="20577"/>
+        <pc:sldMkLst>
+          <pc:docMk/>
+          <pc:sldMk cId="3756076613" sldId="258"/>
+        </pc:sldMkLst>
+        <pc:spChg chg="mod">
+          <ac:chgData name="urh trinko" userId="3b62f928bb6fe22b" providerId="LiveId" clId="{96B36140-957E-4A09-ACB1-24E6053E8EE9}" dt="2023-01-11T15:05:34.846" v="10" actId="20577"/>
+          <ac:spMkLst>
+            <pc:docMk/>
+            <pc:sldMk cId="3756076613" sldId="258"/>
+            <ac:spMk id="2" creationId="{9E8826E0-DBFC-E7D3-987B-DAE0E735CB13}"/>
+          </ac:spMkLst>
+        </pc:spChg>
+        <pc:spChg chg="mod">
+          <ac:chgData name="urh trinko" userId="3b62f928bb6fe22b" providerId="LiveId" clId="{96B36140-957E-4A09-ACB1-24E6053E8EE9}" dt="2023-01-11T15:08:40.901" v="339" actId="20577"/>
+          <ac:spMkLst>
+            <pc:docMk/>
+            <pc:sldMk cId="3756076613" sldId="258"/>
+            <ac:spMk id="3" creationId="{8A12D1B9-FFFF-F4B2-8B22-411704F72AD3}"/>
           </ac:spMkLst>
         </pc:spChg>
       </pc:sldChg>
@@ -284,7 +313,7 @@
           <a:p>
             <a:fld id="{7024B998-ECEB-4E83-9785-E01B6D66EA77}" type="datetimeFigureOut">
               <a:rPr lang="sl-SI" smtClean="0"/>
-              <a:t>10. 01. 2023</a:t>
+              <a:t>11. 01. 2023</a:t>
             </a:fld>
             <a:endParaRPr lang="sl-SI"/>
           </a:p>
@@ -482,7 +511,7 @@
           <a:p>
             <a:fld id="{7024B998-ECEB-4E83-9785-E01B6D66EA77}" type="datetimeFigureOut">
               <a:rPr lang="sl-SI" smtClean="0"/>
-              <a:t>10. 01. 2023</a:t>
+              <a:t>11. 01. 2023</a:t>
             </a:fld>
             <a:endParaRPr lang="sl-SI"/>
           </a:p>
@@ -690,7 +719,7 @@
           <a:p>
             <a:fld id="{7024B998-ECEB-4E83-9785-E01B6D66EA77}" type="datetimeFigureOut">
               <a:rPr lang="sl-SI" smtClean="0"/>
-              <a:t>10. 01. 2023</a:t>
+              <a:t>11. 01. 2023</a:t>
             </a:fld>
             <a:endParaRPr lang="sl-SI"/>
           </a:p>
@@ -888,7 +917,7 @@
           <a:p>
             <a:fld id="{7024B998-ECEB-4E83-9785-E01B6D66EA77}" type="datetimeFigureOut">
               <a:rPr lang="sl-SI" smtClean="0"/>
-              <a:t>10. 01. 2023</a:t>
+              <a:t>11. 01. 2023</a:t>
             </a:fld>
             <a:endParaRPr lang="sl-SI"/>
           </a:p>
@@ -1163,7 +1192,7 @@
           <a:p>
             <a:fld id="{7024B998-ECEB-4E83-9785-E01B6D66EA77}" type="datetimeFigureOut">
               <a:rPr lang="sl-SI" smtClean="0"/>
-              <a:t>10. 01. 2023</a:t>
+              <a:t>11. 01. 2023</a:t>
             </a:fld>
             <a:endParaRPr lang="sl-SI"/>
           </a:p>
@@ -1428,7 +1457,7 @@
           <a:p>
             <a:fld id="{7024B998-ECEB-4E83-9785-E01B6D66EA77}" type="datetimeFigureOut">
               <a:rPr lang="sl-SI" smtClean="0"/>
-              <a:t>10. 01. 2023</a:t>
+              <a:t>11. 01. 2023</a:t>
             </a:fld>
             <a:endParaRPr lang="sl-SI"/>
           </a:p>
@@ -1840,7 +1869,7 @@
           <a:p>
             <a:fld id="{7024B998-ECEB-4E83-9785-E01B6D66EA77}" type="datetimeFigureOut">
               <a:rPr lang="sl-SI" smtClean="0"/>
-              <a:t>10. 01. 2023</a:t>
+              <a:t>11. 01. 2023</a:t>
             </a:fld>
             <a:endParaRPr lang="sl-SI"/>
           </a:p>
@@ -1981,7 +2010,7 @@
           <a:p>
             <a:fld id="{7024B998-ECEB-4E83-9785-E01B6D66EA77}" type="datetimeFigureOut">
               <a:rPr lang="sl-SI" smtClean="0"/>
-              <a:t>10. 01. 2023</a:t>
+              <a:t>11. 01. 2023</a:t>
             </a:fld>
             <a:endParaRPr lang="sl-SI"/>
           </a:p>
@@ -2094,7 +2123,7 @@
           <a:p>
             <a:fld id="{7024B998-ECEB-4E83-9785-E01B6D66EA77}" type="datetimeFigureOut">
               <a:rPr lang="sl-SI" smtClean="0"/>
-              <a:t>10. 01. 2023</a:t>
+              <a:t>11. 01. 2023</a:t>
             </a:fld>
             <a:endParaRPr lang="sl-SI"/>
           </a:p>
@@ -2405,7 +2434,7 @@
           <a:p>
             <a:fld id="{7024B998-ECEB-4E83-9785-E01B6D66EA77}" type="datetimeFigureOut">
               <a:rPr lang="sl-SI" smtClean="0"/>
-              <a:t>10. 01. 2023</a:t>
+              <a:t>11. 01. 2023</a:t>
             </a:fld>
             <a:endParaRPr lang="sl-SI"/>
           </a:p>
@@ -2693,7 +2722,7 @@
           <a:p>
             <a:fld id="{7024B998-ECEB-4E83-9785-E01B6D66EA77}" type="datetimeFigureOut">
               <a:rPr lang="sl-SI" smtClean="0"/>
-              <a:t>10. 01. 2023</a:t>
+              <a:t>11. 01. 2023</a:t>
             </a:fld>
             <a:endParaRPr lang="sl-SI"/>
           </a:p>
@@ -2934,7 +2963,7 @@
           <a:p>
             <a:fld id="{7024B998-ECEB-4E83-9785-E01B6D66EA77}" type="datetimeFigureOut">
               <a:rPr lang="sl-SI" smtClean="0"/>
-              <a:t>10. 01. 2023</a:t>
+              <a:t>11. 01. 2023</a:t>
             </a:fld>
             <a:endParaRPr lang="sl-SI"/>
           </a:p>
@@ -3552,6 +3581,110 @@
 </p:sld>
 </file>
 
+<file path=ppt/slides/slide3.xml><?xml version="1.0" encoding="utf-8"?>
+<p:sld xmlns:a="http://schemas.openxmlformats.org/drawingml/2006/main" xmlns:r="http://schemas.openxmlformats.org/officeDocument/2006/relationships" xmlns:p="http://schemas.openxmlformats.org/presentationml/2006/main">
+  <p:cSld>
+    <p:spTree>
+      <p:nvGrpSpPr>
+        <p:cNvPr id="1" name=""/>
+        <p:cNvGrpSpPr/>
+        <p:nvPr/>
+      </p:nvGrpSpPr>
+      <p:grpSpPr>
+        <a:xfrm>
+          <a:off x="0" y="0"/>
+          <a:ext cx="0" cy="0"/>
+          <a:chOff x="0" y="0"/>
+          <a:chExt cx="0" cy="0"/>
+        </a:xfrm>
+      </p:grpSpPr>
+      <p:sp>
+        <p:nvSpPr>
+          <p:cNvPr id="2" name="Naslov 1">
+            <a:extLst>
+              <a:ext uri="{FF2B5EF4-FFF2-40B4-BE49-F238E27FC236}">
+                <a16:creationId xmlns:a16="http://schemas.microsoft.com/office/drawing/2014/main" id="{9E8826E0-DBFC-E7D3-987B-DAE0E735CB13}"/>
+              </a:ext>
+            </a:extLst>
+          </p:cNvPr>
+          <p:cNvSpPr>
+            <a:spLocks noGrp="1"/>
+          </p:cNvSpPr>
+          <p:nvPr>
+            <p:ph type="title"/>
+          </p:nvPr>
+        </p:nvSpPr>
+        <p:spPr/>
+        <p:txBody>
+          <a:bodyPr/>
+          <a:lstStyle/>
+          <a:p>
+            <a:r>
+              <a:rPr lang="en-SI" dirty="0"/>
+              <a:t>11.1.2023</a:t>
+            </a:r>
+            <a:endParaRPr lang="sl-SI" dirty="0"/>
+          </a:p>
+        </p:txBody>
+      </p:sp>
+      <p:sp>
+        <p:nvSpPr>
+          <p:cNvPr id="3" name="Označba mesta vsebine 2">
+            <a:extLst>
+              <a:ext uri="{FF2B5EF4-FFF2-40B4-BE49-F238E27FC236}">
+                <a16:creationId xmlns:a16="http://schemas.microsoft.com/office/drawing/2014/main" id="{8A12D1B9-FFFF-F4B2-8B22-411704F72AD3}"/>
+              </a:ext>
+            </a:extLst>
+          </p:cNvPr>
+          <p:cNvSpPr>
+            <a:spLocks noGrp="1"/>
+          </p:cNvSpPr>
+          <p:nvPr>
+            <p:ph idx="1"/>
+          </p:nvPr>
+        </p:nvSpPr>
+        <p:spPr/>
+        <p:txBody>
+          <a:bodyPr/>
+          <a:lstStyle/>
+          <a:p>
+            <a:r>
+              <a:rPr lang="en-SI" dirty="0"/>
+              <a:t>Putting all the elements together and checking if the detector works.</a:t>
+            </a:r>
+          </a:p>
+          <a:p>
+            <a:r>
+              <a:rPr lang="en-SI" dirty="0"/>
+              <a:t>PROBLEM: there was no visible peaks on the oscilloscope -  maybe the photomultiplier tube isn’t working.</a:t>
+            </a:r>
+          </a:p>
+          <a:p>
+            <a:r>
+              <a:rPr lang="en-SI" dirty="0"/>
+              <a:t>SOLUTION: we needed a different HV supply, because the one used first didn’t have a </a:t>
+            </a:r>
+            <a:r>
+              <a:rPr lang="en-SI"/>
+              <a:t>high enough current.</a:t>
+            </a:r>
+            <a:endParaRPr lang="sl-SI" dirty="0"/>
+          </a:p>
+        </p:txBody>
+      </p:sp>
+    </p:spTree>
+    <p:extLst>
+      <p:ext uri="{BB962C8B-B14F-4D97-AF65-F5344CB8AC3E}">
+        <p14:creationId xmlns:p14="http://schemas.microsoft.com/office/powerpoint/2010/main" val="3756076613"/>
+      </p:ext>
+    </p:extLst>
+  </p:cSld>
+  <p:clrMapOvr>
+    <a:masterClrMapping/>
+  </p:clrMapOvr>
+</p:sld>
+</file>
+
 <file path=ppt/theme/theme1.xml><?xml version="1.0" encoding="utf-8"?>
 <a:theme xmlns:a="http://schemas.openxmlformats.org/drawingml/2006/main" name="Officeova tema">
   <a:themeElements>
